--- a/BUYALL – Final Project PPT.pptx
+++ b/BUYALL – Final Project PPT.pptx
@@ -9222,10 +9222,10 @@
       </p:pic>
       <p:pic>
         <p:nvPicPr>
-          <p:cNvPr id="22" name="Picture 21" descr="A diagram of a login&#10;&#10;Description automatically generated">
+          <p:cNvPr id="4" name="Picture 3" descr="A diagram of a login&#10;&#10;Description automatically generated">
             <a:extLst>
               <a:ext uri="{FF2B5EF4-FFF2-40B4-BE49-F238E27FC236}">
-                <a16:creationId xmlns:a16="http://schemas.microsoft.com/office/drawing/2014/main" id="{C9819FE8-E241-79C1-9D42-B96B69D4AB69}"/>
+                <a16:creationId xmlns:a16="http://schemas.microsoft.com/office/drawing/2014/main" id="{5A79D7F5-20A9-1B3F-7837-FBF3BAF82F43}"/>
               </a:ext>
             </a:extLst>
           </p:cNvPr>
@@ -9248,8 +9248,8 @@
         </p:blipFill>
         <p:spPr>
           <a:xfrm>
-            <a:off x="1905000" y="1995487"/>
-            <a:ext cx="4529137" cy="3486625"/>
+            <a:off x="2328862" y="1995487"/>
+            <a:ext cx="5104815" cy="3262313"/>
           </a:xfrm>
           <a:prstGeom prst="rect">
             <a:avLst/>
